--- a/Tugas1/pengenalan phyton.pptx
+++ b/Tugas1/pengenalan phyton.pptx
@@ -136,7 +136,7 @@
   </p:defaultTextStyle>
   <p:extLst>
     <p:ext uri="{EFAFB233-063F-42B5-8137-9DF3F51BA10A}">
-      <p15:sldGuideLst xmlns:p15="http://schemas.microsoft.com/office/powerpoint/2012/main" xmlns=""/>
+      <p15:sldGuideLst xmlns="" xmlns:p15="http://schemas.microsoft.com/office/powerpoint/2012/main"/>
     </p:ext>
   </p:extLst>
 </p:presentation>
@@ -294,7 +294,7 @@
           <a:p>
             <a:fld id="{047FADAB-D9AF-4329-9DA2-0DFFD2DB93CA}" type="datetimeFigureOut">
               <a:rPr lang="en-US" smtClean="0"/>
-              <a:t>30-Mar-19</a:t>
+              <a:t>3/30/2019</a:t>
             </a:fld>
             <a:endParaRPr lang="en-US"/>
           </a:p>
@@ -547,7 +547,7 @@
           <a:p>
             <a:fld id="{047FADAB-D9AF-4329-9DA2-0DFFD2DB93CA}" type="datetimeFigureOut">
               <a:rPr lang="en-US" smtClean="0"/>
-              <a:t>30-Mar-19</a:t>
+              <a:t>3/30/2019</a:t>
             </a:fld>
             <a:endParaRPr lang="en-US"/>
           </a:p>
@@ -727,7 +727,7 @@
           <a:p>
             <a:fld id="{047FADAB-D9AF-4329-9DA2-0DFFD2DB93CA}" type="datetimeFigureOut">
               <a:rPr lang="en-US" smtClean="0"/>
-              <a:t>30-Mar-19</a:t>
+              <a:t>3/30/2019</a:t>
             </a:fld>
             <a:endParaRPr lang="en-US"/>
           </a:p>
@@ -932,7 +932,7 @@
           <a:p>
             <a:fld id="{047FADAB-D9AF-4329-9DA2-0DFFD2DB93CA}" type="datetimeFigureOut">
               <a:rPr lang="en-US" smtClean="0"/>
-              <a:t>30-Mar-19</a:t>
+              <a:t>3/30/2019</a:t>
             </a:fld>
             <a:endParaRPr lang="en-US"/>
           </a:p>
@@ -1189,7 +1189,7 @@
           <a:p>
             <a:fld id="{047FADAB-D9AF-4329-9DA2-0DFFD2DB93CA}" type="datetimeFigureOut">
               <a:rPr lang="en-US" smtClean="0"/>
-              <a:t>30-Mar-19</a:t>
+              <a:t>3/30/2019</a:t>
             </a:fld>
             <a:endParaRPr lang="en-US"/>
           </a:p>
@@ -1509,7 +1509,7 @@
           <a:p>
             <a:fld id="{047FADAB-D9AF-4329-9DA2-0DFFD2DB93CA}" type="datetimeFigureOut">
               <a:rPr lang="en-US" smtClean="0"/>
-              <a:t>30-Mar-19</a:t>
+              <a:t>3/30/2019</a:t>
             </a:fld>
             <a:endParaRPr lang="en-US"/>
           </a:p>
@@ -1907,7 +1907,7 @@
           <a:p>
             <a:fld id="{047FADAB-D9AF-4329-9DA2-0DFFD2DB93CA}" type="datetimeFigureOut">
               <a:rPr lang="en-US" smtClean="0"/>
-              <a:t>30-Mar-19</a:t>
+              <a:t>3/30/2019</a:t>
             </a:fld>
             <a:endParaRPr lang="en-US"/>
           </a:p>
@@ -2025,7 +2025,7 @@
           <a:p>
             <a:fld id="{047FADAB-D9AF-4329-9DA2-0DFFD2DB93CA}" type="datetimeFigureOut">
               <a:rPr lang="en-US" smtClean="0"/>
-              <a:t>30-Mar-19</a:t>
+              <a:t>3/30/2019</a:t>
             </a:fld>
             <a:endParaRPr lang="en-US"/>
           </a:p>
@@ -2120,7 +2120,7 @@
           <a:p>
             <a:fld id="{047FADAB-D9AF-4329-9DA2-0DFFD2DB93CA}" type="datetimeFigureOut">
               <a:rPr lang="en-US" smtClean="0"/>
-              <a:t>30-Mar-19</a:t>
+              <a:t>3/30/2019</a:t>
             </a:fld>
             <a:endParaRPr lang="en-US"/>
           </a:p>
@@ -2410,7 +2410,7 @@
           <a:p>
             <a:fld id="{047FADAB-D9AF-4329-9DA2-0DFFD2DB93CA}" type="datetimeFigureOut">
               <a:rPr lang="en-US" smtClean="0"/>
-              <a:t>30-Mar-19</a:t>
+              <a:t>3/30/2019</a:t>
             </a:fld>
             <a:endParaRPr lang="en-US"/>
           </a:p>
@@ -2690,7 +2690,7 @@
           <a:p>
             <a:fld id="{047FADAB-D9AF-4329-9DA2-0DFFD2DB93CA}" type="datetimeFigureOut">
               <a:rPr lang="en-US" smtClean="0"/>
-              <a:t>30-Mar-19</a:t>
+              <a:t>3/30/2019</a:t>
             </a:fld>
             <a:endParaRPr lang="en-US"/>
           </a:p>
@@ -2940,7 +2940,7 @@
           <a:p>
             <a:fld id="{047FADAB-D9AF-4329-9DA2-0DFFD2DB93CA}" type="datetimeFigureOut">
               <a:rPr lang="en-US" smtClean="0"/>
-              <a:t>30-Mar-19</a:t>
+              <a:t>3/30/2019</a:t>
             </a:fld>
             <a:endParaRPr lang="en-US"/>
           </a:p>
@@ -3447,7 +3447,7 @@
           <p:cNvPr id="2" name="Title 1">
             <a:extLst>
               <a:ext uri="{FF2B5EF4-FFF2-40B4-BE49-F238E27FC236}">
-                <a16:creationId xmlns:a16="http://schemas.microsoft.com/office/drawing/2014/main" xmlns="" id="{520068CD-209F-437B-B987-C9DFE8B842EF}"/>
+                <a16:creationId xmlns="" xmlns:a16="http://schemas.microsoft.com/office/drawing/2014/main" id="{520068CD-209F-437B-B987-C9DFE8B842EF}"/>
               </a:ext>
             </a:extLst>
           </p:cNvPr>
@@ -3475,7 +3475,7 @@
           <p:cNvPr id="3" name="Subtitle 2">
             <a:extLst>
               <a:ext uri="{FF2B5EF4-FFF2-40B4-BE49-F238E27FC236}">
-                <a16:creationId xmlns:a16="http://schemas.microsoft.com/office/drawing/2014/main" xmlns="" id="{535BDA10-04A1-4CE9-932D-6B11E4429625}"/>
+                <a16:creationId xmlns="" xmlns:a16="http://schemas.microsoft.com/office/drawing/2014/main" id="{535BDA10-04A1-4CE9-932D-6B11E4429625}"/>
               </a:ext>
             </a:extLst>
           </p:cNvPr>
@@ -3556,7 +3556,7 @@
           <p:cNvPr id="2" name="Title 1">
             <a:extLst>
               <a:ext uri="{FF2B5EF4-FFF2-40B4-BE49-F238E27FC236}">
-                <a16:creationId xmlns:a16="http://schemas.microsoft.com/office/drawing/2014/main" xmlns="" id="{9A60E9C4-514E-40E5-B975-DD51A20C34C3}"/>
+                <a16:creationId xmlns="" xmlns:a16="http://schemas.microsoft.com/office/drawing/2014/main" id="{9A60E9C4-514E-40E5-B975-DD51A20C34C3}"/>
               </a:ext>
             </a:extLst>
           </p:cNvPr>
@@ -3584,7 +3584,7 @@
           <p:cNvPr id="4" name="Content Placeholder 3">
             <a:extLst>
               <a:ext uri="{FF2B5EF4-FFF2-40B4-BE49-F238E27FC236}">
-                <a16:creationId xmlns:a16="http://schemas.microsoft.com/office/drawing/2014/main" xmlns="" id="{D16146F2-9F21-4D60-8821-24C86ABAC520}"/>
+                <a16:creationId xmlns="" xmlns:a16="http://schemas.microsoft.com/office/drawing/2014/main" id="{D16146F2-9F21-4D60-8821-24C86ABAC520}"/>
               </a:ext>
             </a:extLst>
           </p:cNvPr>
@@ -3616,7 +3616,7 @@
           <p:cNvPr id="5" name="TextBox 4">
             <a:extLst>
               <a:ext uri="{FF2B5EF4-FFF2-40B4-BE49-F238E27FC236}">
-                <a16:creationId xmlns:a16="http://schemas.microsoft.com/office/drawing/2014/main" xmlns="" id="{3BF0C0B2-B19C-4237-8692-65F51EB38EF6}"/>
+                <a16:creationId xmlns="" xmlns:a16="http://schemas.microsoft.com/office/drawing/2014/main" id="{3BF0C0B2-B19C-4237-8692-65F51EB38EF6}"/>
               </a:ext>
             </a:extLst>
           </p:cNvPr>
@@ -4176,7 +4176,7 @@
           <p:cNvPr id="2" name="Title 1">
             <a:extLst>
               <a:ext uri="{FF2B5EF4-FFF2-40B4-BE49-F238E27FC236}">
-                <a16:creationId xmlns:a16="http://schemas.microsoft.com/office/drawing/2014/main" xmlns="" id="{49AD996F-BEA8-4777-A69F-5DA582B8D415}"/>
+                <a16:creationId xmlns="" xmlns:a16="http://schemas.microsoft.com/office/drawing/2014/main" id="{49AD996F-BEA8-4777-A69F-5DA582B8D415}"/>
               </a:ext>
             </a:extLst>
           </p:cNvPr>
@@ -4205,7 +4205,7 @@
           <p:cNvPr id="3" name="Content Placeholder 2">
             <a:extLst>
               <a:ext uri="{FF2B5EF4-FFF2-40B4-BE49-F238E27FC236}">
-                <a16:creationId xmlns:a16="http://schemas.microsoft.com/office/drawing/2014/main" xmlns="" id="{1C3084C2-61D9-4901-A0AA-D264657A712A}"/>
+                <a16:creationId xmlns="" xmlns:a16="http://schemas.microsoft.com/office/drawing/2014/main" id="{1C3084C2-61D9-4901-A0AA-D264657A712A}"/>
               </a:ext>
             </a:extLst>
           </p:cNvPr>
@@ -4385,7 +4385,7 @@
           <p:cNvPr id="2" name="Title 1">
             <a:extLst>
               <a:ext uri="{FF2B5EF4-FFF2-40B4-BE49-F238E27FC236}">
-                <a16:creationId xmlns:a16="http://schemas.microsoft.com/office/drawing/2014/main" xmlns="" id="{AA0E214C-8AF6-4A83-8E9F-6FF926D29D37}"/>
+                <a16:creationId xmlns="" xmlns:a16="http://schemas.microsoft.com/office/drawing/2014/main" id="{AA0E214C-8AF6-4A83-8E9F-6FF926D29D37}"/>
               </a:ext>
             </a:extLst>
           </p:cNvPr>
@@ -4418,7 +4418,7 @@
           <p:cNvPr id="4" name="Content Placeholder 3">
             <a:extLst>
               <a:ext uri="{FF2B5EF4-FFF2-40B4-BE49-F238E27FC236}">
-                <a16:creationId xmlns:a16="http://schemas.microsoft.com/office/drawing/2014/main" xmlns="" id="{7DD4ED09-47DA-46DD-841F-9B5D9B0BB527}"/>
+                <a16:creationId xmlns="" xmlns:a16="http://schemas.microsoft.com/office/drawing/2014/main" id="{7DD4ED09-47DA-46DD-841F-9B5D9B0BB527}"/>
               </a:ext>
             </a:extLst>
           </p:cNvPr>
@@ -4480,7 +4480,7 @@
           <p:cNvPr id="2" name="Title 1">
             <a:extLst>
               <a:ext uri="{FF2B5EF4-FFF2-40B4-BE49-F238E27FC236}">
-                <a16:creationId xmlns:a16="http://schemas.microsoft.com/office/drawing/2014/main" xmlns="" id="{906043A6-961A-487B-8C36-4A41F318FF4B}"/>
+                <a16:creationId xmlns="" xmlns:a16="http://schemas.microsoft.com/office/drawing/2014/main" id="{906043A6-961A-487B-8C36-4A41F318FF4B}"/>
               </a:ext>
             </a:extLst>
           </p:cNvPr>
@@ -4513,7 +4513,7 @@
           <p:cNvPr id="4" name="Content Placeholder 3">
             <a:extLst>
               <a:ext uri="{FF2B5EF4-FFF2-40B4-BE49-F238E27FC236}">
-                <a16:creationId xmlns:a16="http://schemas.microsoft.com/office/drawing/2014/main" xmlns="" id="{B24A32E8-D13B-4B84-9C0E-455EF37104AB}"/>
+                <a16:creationId xmlns="" xmlns:a16="http://schemas.microsoft.com/office/drawing/2014/main" id="{B24A32E8-D13B-4B84-9C0E-455EF37104AB}"/>
               </a:ext>
             </a:extLst>
           </p:cNvPr>
@@ -4575,7 +4575,7 @@
           <p:cNvPr id="2" name="Title 1">
             <a:extLst>
               <a:ext uri="{FF2B5EF4-FFF2-40B4-BE49-F238E27FC236}">
-                <a16:creationId xmlns:a16="http://schemas.microsoft.com/office/drawing/2014/main" xmlns="" id="{700736AE-B941-44A3-956C-4935516E9656}"/>
+                <a16:creationId xmlns="" xmlns:a16="http://schemas.microsoft.com/office/drawing/2014/main" id="{700736AE-B941-44A3-956C-4935516E9656}"/>
               </a:ext>
             </a:extLst>
           </p:cNvPr>
@@ -4608,7 +4608,7 @@
           <p:cNvPr id="4" name="Content Placeholder 3">
             <a:extLst>
               <a:ext uri="{FF2B5EF4-FFF2-40B4-BE49-F238E27FC236}">
-                <a16:creationId xmlns:a16="http://schemas.microsoft.com/office/drawing/2014/main" xmlns="" id="{304A2199-D7AF-4DAF-80A9-D9BF0CA58071}"/>
+                <a16:creationId xmlns="" xmlns:a16="http://schemas.microsoft.com/office/drawing/2014/main" id="{304A2199-D7AF-4DAF-80A9-D9BF0CA58071}"/>
               </a:ext>
             </a:extLst>
           </p:cNvPr>
@@ -4670,7 +4670,7 @@
           <p:cNvPr id="2" name="Title 1">
             <a:extLst>
               <a:ext uri="{FF2B5EF4-FFF2-40B4-BE49-F238E27FC236}">
-                <a16:creationId xmlns:a16="http://schemas.microsoft.com/office/drawing/2014/main" xmlns="" id="{F3C3EFC0-55E0-4ACF-9FCA-87C6CCEDE055}"/>
+                <a16:creationId xmlns="" xmlns:a16="http://schemas.microsoft.com/office/drawing/2014/main" id="{F3C3EFC0-55E0-4ACF-9FCA-87C6CCEDE055}"/>
               </a:ext>
             </a:extLst>
           </p:cNvPr>
@@ -4698,7 +4698,7 @@
           <p:cNvPr id="3" name="Content Placeholder 2">
             <a:extLst>
               <a:ext uri="{FF2B5EF4-FFF2-40B4-BE49-F238E27FC236}">
-                <a16:creationId xmlns:a16="http://schemas.microsoft.com/office/drawing/2014/main" xmlns="" id="{622089CF-855D-4419-AB2A-197A16168D0F}"/>
+                <a16:creationId xmlns="" xmlns:a16="http://schemas.microsoft.com/office/drawing/2014/main" id="{622089CF-855D-4419-AB2A-197A16168D0F}"/>
               </a:ext>
             </a:extLst>
           </p:cNvPr>
@@ -5297,7 +5297,7 @@
           <p:cNvPr id="2" name="Title 1">
             <a:extLst>
               <a:ext uri="{FF2B5EF4-FFF2-40B4-BE49-F238E27FC236}">
-                <a16:creationId xmlns:a16="http://schemas.microsoft.com/office/drawing/2014/main" xmlns="" id="{BDC11D9A-F196-40F7-ACA3-772178CC1F64}"/>
+                <a16:creationId xmlns="" xmlns:a16="http://schemas.microsoft.com/office/drawing/2014/main" id="{BDC11D9A-F196-40F7-ACA3-772178CC1F64}"/>
               </a:ext>
             </a:extLst>
           </p:cNvPr>
@@ -5325,7 +5325,7 @@
           <p:cNvPr id="3" name="Content Placeholder 2">
             <a:extLst>
               <a:ext uri="{FF2B5EF4-FFF2-40B4-BE49-F238E27FC236}">
-                <a16:creationId xmlns:a16="http://schemas.microsoft.com/office/drawing/2014/main" xmlns="" id="{3F062B7C-F686-4B57-B005-9D205289B74D}"/>
+                <a16:creationId xmlns="" xmlns:a16="http://schemas.microsoft.com/office/drawing/2014/main" id="{3F062B7C-F686-4B57-B005-9D205289B74D}"/>
               </a:ext>
             </a:extLst>
           </p:cNvPr>
@@ -5419,7 +5419,7 @@
           <p:cNvPr id="5" name="Picture 4">
             <a:extLst>
               <a:ext uri="{FF2B5EF4-FFF2-40B4-BE49-F238E27FC236}">
-                <a16:creationId xmlns:a16="http://schemas.microsoft.com/office/drawing/2014/main" xmlns="" id="{65A2A7A5-D687-4BD7-A4BA-7762AF3A2936}"/>
+                <a16:creationId xmlns="" xmlns:a16="http://schemas.microsoft.com/office/drawing/2014/main" id="{65A2A7A5-D687-4BD7-A4BA-7762AF3A2936}"/>
               </a:ext>
             </a:extLst>
           </p:cNvPr>
@@ -5479,7 +5479,7 @@
           <p:cNvPr id="2" name="Title 1">
             <a:extLst>
               <a:ext uri="{FF2B5EF4-FFF2-40B4-BE49-F238E27FC236}">
-                <a16:creationId xmlns:a16="http://schemas.microsoft.com/office/drawing/2014/main" xmlns="" id="{9B338BA5-B1BE-4E13-8BA9-85CC10DEA24C}"/>
+                <a16:creationId xmlns="" xmlns:a16="http://schemas.microsoft.com/office/drawing/2014/main" id="{9B338BA5-B1BE-4E13-8BA9-85CC10DEA24C}"/>
               </a:ext>
             </a:extLst>
           </p:cNvPr>
@@ -5507,7 +5507,7 @@
           <p:cNvPr id="3" name="Content Placeholder 2">
             <a:extLst>
               <a:ext uri="{FF2B5EF4-FFF2-40B4-BE49-F238E27FC236}">
-                <a16:creationId xmlns:a16="http://schemas.microsoft.com/office/drawing/2014/main" xmlns="" id="{FC599789-B759-48C1-97AF-52DD1E15F455}"/>
+                <a16:creationId xmlns="" xmlns:a16="http://schemas.microsoft.com/office/drawing/2014/main" id="{FC599789-B759-48C1-97AF-52DD1E15F455}"/>
               </a:ext>
             </a:extLst>
           </p:cNvPr>
@@ -5612,7 +5612,7 @@
           <p:cNvPr id="4" name="Picture 3">
             <a:extLst>
               <a:ext uri="{FF2B5EF4-FFF2-40B4-BE49-F238E27FC236}">
-                <a16:creationId xmlns:a16="http://schemas.microsoft.com/office/drawing/2014/main" xmlns="" id="{97E88207-4269-4F27-9B87-394540FB711A}"/>
+                <a16:creationId xmlns="" xmlns:a16="http://schemas.microsoft.com/office/drawing/2014/main" id="{97E88207-4269-4F27-9B87-394540FB711A}"/>
               </a:ext>
             </a:extLst>
           </p:cNvPr>
@@ -5672,7 +5672,7 @@
           <p:cNvPr id="2" name="Title 1">
             <a:extLst>
               <a:ext uri="{FF2B5EF4-FFF2-40B4-BE49-F238E27FC236}">
-                <a16:creationId xmlns:a16="http://schemas.microsoft.com/office/drawing/2014/main" xmlns="" id="{6A64EFE6-F736-4AF7-AB0A-45150A649A56}"/>
+                <a16:creationId xmlns="" xmlns:a16="http://schemas.microsoft.com/office/drawing/2014/main" id="{6A64EFE6-F736-4AF7-AB0A-45150A649A56}"/>
               </a:ext>
             </a:extLst>
           </p:cNvPr>
@@ -5700,7 +5700,7 @@
           <p:cNvPr id="3" name="Content Placeholder 2">
             <a:extLst>
               <a:ext uri="{FF2B5EF4-FFF2-40B4-BE49-F238E27FC236}">
-                <a16:creationId xmlns:a16="http://schemas.microsoft.com/office/drawing/2014/main" xmlns="" id="{35B1CF83-AD03-4DD4-B20F-526AA16B098C}"/>
+                <a16:creationId xmlns="" xmlns:a16="http://schemas.microsoft.com/office/drawing/2014/main" id="{35B1CF83-AD03-4DD4-B20F-526AA16B098C}"/>
               </a:ext>
             </a:extLst>
           </p:cNvPr>
@@ -5856,7 +5856,7 @@
           <p:cNvPr id="4" name="Picture 3">
             <a:extLst>
               <a:ext uri="{FF2B5EF4-FFF2-40B4-BE49-F238E27FC236}">
-                <a16:creationId xmlns:a16="http://schemas.microsoft.com/office/drawing/2014/main" xmlns="" id="{44795652-A71D-4C4E-9EE8-9AE3F77FA049}"/>
+                <a16:creationId xmlns="" xmlns:a16="http://schemas.microsoft.com/office/drawing/2014/main" id="{44795652-A71D-4C4E-9EE8-9AE3F77FA049}"/>
               </a:ext>
             </a:extLst>
           </p:cNvPr>
@@ -5916,7 +5916,7 @@
           <p:cNvPr id="2" name="Title 1">
             <a:extLst>
               <a:ext uri="{FF2B5EF4-FFF2-40B4-BE49-F238E27FC236}">
-                <a16:creationId xmlns:a16="http://schemas.microsoft.com/office/drawing/2014/main" xmlns="" id="{71B3EAE6-E92F-4D6A-880E-A68DDDE604F3}"/>
+                <a16:creationId xmlns="" xmlns:a16="http://schemas.microsoft.com/office/drawing/2014/main" id="{71B3EAE6-E92F-4D6A-880E-A68DDDE604F3}"/>
               </a:ext>
             </a:extLst>
           </p:cNvPr>
@@ -5948,7 +5948,7 @@
           <p:cNvPr id="3" name="Content Placeholder 2">
             <a:extLst>
               <a:ext uri="{FF2B5EF4-FFF2-40B4-BE49-F238E27FC236}">
-                <a16:creationId xmlns:a16="http://schemas.microsoft.com/office/drawing/2014/main" xmlns="" id="{660E8B83-C2C5-4743-BFF9-46C10D23FAE9}"/>
+                <a16:creationId xmlns="" xmlns:a16="http://schemas.microsoft.com/office/drawing/2014/main" id="{660E8B83-C2C5-4743-BFF9-46C10D23FAE9}"/>
               </a:ext>
             </a:extLst>
           </p:cNvPr>
@@ -6090,7 +6090,7 @@
           <p:cNvPr id="2" name="Title 1">
             <a:extLst>
               <a:ext uri="{FF2B5EF4-FFF2-40B4-BE49-F238E27FC236}">
-                <a16:creationId xmlns:a16="http://schemas.microsoft.com/office/drawing/2014/main" xmlns="" id="{D8D89EF4-269A-46A9-A7BD-85C639FDB694}"/>
+                <a16:creationId xmlns="" xmlns:a16="http://schemas.microsoft.com/office/drawing/2014/main" id="{D8D89EF4-269A-46A9-A7BD-85C639FDB694}"/>
               </a:ext>
             </a:extLst>
           </p:cNvPr>
@@ -6118,7 +6118,7 @@
           <p:cNvPr id="3" name="Content Placeholder 2">
             <a:extLst>
               <a:ext uri="{FF2B5EF4-FFF2-40B4-BE49-F238E27FC236}">
-                <a16:creationId xmlns:a16="http://schemas.microsoft.com/office/drawing/2014/main" xmlns="" id="{0B12D61C-D7CA-44DA-A969-5704AB9F3595}"/>
+                <a16:creationId xmlns="" xmlns:a16="http://schemas.microsoft.com/office/drawing/2014/main" id="{0B12D61C-D7CA-44DA-A969-5704AB9F3595}"/>
               </a:ext>
             </a:extLst>
           </p:cNvPr>
@@ -6643,7 +6643,7 @@
           <p:cNvPr id="2" name="Title 1">
             <a:extLst>
               <a:ext uri="{FF2B5EF4-FFF2-40B4-BE49-F238E27FC236}">
-                <a16:creationId xmlns:a16="http://schemas.microsoft.com/office/drawing/2014/main" xmlns="" id="{69622DA5-1F62-44EE-BBFF-43A2A46A37E5}"/>
+                <a16:creationId xmlns="" xmlns:a16="http://schemas.microsoft.com/office/drawing/2014/main" id="{69622DA5-1F62-44EE-BBFF-43A2A46A37E5}"/>
               </a:ext>
             </a:extLst>
           </p:cNvPr>
@@ -6671,7 +6671,7 @@
           <p:cNvPr id="3" name="Content Placeholder 2">
             <a:extLst>
               <a:ext uri="{FF2B5EF4-FFF2-40B4-BE49-F238E27FC236}">
-                <a16:creationId xmlns:a16="http://schemas.microsoft.com/office/drawing/2014/main" xmlns="" id="{12ED7BED-90AF-4163-A7C2-21C967ECD37E}"/>
+                <a16:creationId xmlns="" xmlns:a16="http://schemas.microsoft.com/office/drawing/2014/main" id="{12ED7BED-90AF-4163-A7C2-21C967ECD37E}"/>
               </a:ext>
             </a:extLst>
           </p:cNvPr>
@@ -7022,7 +7022,7 @@
           <p:cNvPr id="4" name="Picture 3">
             <a:extLst>
               <a:ext uri="{FF2B5EF4-FFF2-40B4-BE49-F238E27FC236}">
-                <a16:creationId xmlns:a16="http://schemas.microsoft.com/office/drawing/2014/main" xmlns="" id="{2D9A7121-6229-46B6-AAFA-15181CCA8167}"/>
+                <a16:creationId xmlns="" xmlns:a16="http://schemas.microsoft.com/office/drawing/2014/main" id="{2D9A7121-6229-46B6-AAFA-15181CCA8167}"/>
               </a:ext>
             </a:extLst>
           </p:cNvPr>
@@ -7082,7 +7082,7 @@
           <p:cNvPr id="2" name="Title 1">
             <a:extLst>
               <a:ext uri="{FF2B5EF4-FFF2-40B4-BE49-F238E27FC236}">
-                <a16:creationId xmlns:a16="http://schemas.microsoft.com/office/drawing/2014/main" xmlns="" id="{0A3B81F4-D727-40D9-AF9E-49B8004DF3B6}"/>
+                <a16:creationId xmlns="" xmlns:a16="http://schemas.microsoft.com/office/drawing/2014/main" id="{0A3B81F4-D727-40D9-AF9E-49B8004DF3B6}"/>
               </a:ext>
             </a:extLst>
           </p:cNvPr>
@@ -7110,7 +7110,7 @@
           <p:cNvPr id="3" name="Content Placeholder 2">
             <a:extLst>
               <a:ext uri="{FF2B5EF4-FFF2-40B4-BE49-F238E27FC236}">
-                <a16:creationId xmlns:a16="http://schemas.microsoft.com/office/drawing/2014/main" xmlns="" id="{CE8EF288-265F-49E4-BC4F-F912D3CD04D9}"/>
+                <a16:creationId xmlns="" xmlns:a16="http://schemas.microsoft.com/office/drawing/2014/main" id="{CE8EF288-265F-49E4-BC4F-F912D3CD04D9}"/>
               </a:ext>
             </a:extLst>
           </p:cNvPr>
@@ -7349,7 +7349,7 @@
           <p:cNvPr id="4" name="Picture 3">
             <a:extLst>
               <a:ext uri="{FF2B5EF4-FFF2-40B4-BE49-F238E27FC236}">
-                <a16:creationId xmlns:a16="http://schemas.microsoft.com/office/drawing/2014/main" xmlns="" id="{748C8423-BCD8-491C-A3ED-FBE8A361CFCF}"/>
+                <a16:creationId xmlns="" xmlns:a16="http://schemas.microsoft.com/office/drawing/2014/main" id="{748C8423-BCD8-491C-A3ED-FBE8A361CFCF}"/>
               </a:ext>
             </a:extLst>
           </p:cNvPr>
@@ -7409,7 +7409,7 @@
           <p:cNvPr id="2" name="Title 1">
             <a:extLst>
               <a:ext uri="{FF2B5EF4-FFF2-40B4-BE49-F238E27FC236}">
-                <a16:creationId xmlns:a16="http://schemas.microsoft.com/office/drawing/2014/main" xmlns="" id="{D1D6930C-657C-449D-B34B-EB905240E38D}"/>
+                <a16:creationId xmlns="" xmlns:a16="http://schemas.microsoft.com/office/drawing/2014/main" id="{D1D6930C-657C-449D-B34B-EB905240E38D}"/>
               </a:ext>
             </a:extLst>
           </p:cNvPr>
@@ -7437,7 +7437,7 @@
           <p:cNvPr id="3" name="Content Placeholder 2">
             <a:extLst>
               <a:ext uri="{FF2B5EF4-FFF2-40B4-BE49-F238E27FC236}">
-                <a16:creationId xmlns:a16="http://schemas.microsoft.com/office/drawing/2014/main" xmlns="" id="{B37CE59B-4367-4E0F-8C72-B7BB5D21EA44}"/>
+                <a16:creationId xmlns="" xmlns:a16="http://schemas.microsoft.com/office/drawing/2014/main" id="{B37CE59B-4367-4E0F-8C72-B7BB5D21EA44}"/>
               </a:ext>
             </a:extLst>
           </p:cNvPr>
@@ -7636,7 +7636,7 @@
           <p:cNvPr id="4" name="Picture 3">
             <a:extLst>
               <a:ext uri="{FF2B5EF4-FFF2-40B4-BE49-F238E27FC236}">
-                <a16:creationId xmlns:a16="http://schemas.microsoft.com/office/drawing/2014/main" xmlns="" id="{59066CD2-3D44-4CB4-A2B7-0C1E1EB77575}"/>
+                <a16:creationId xmlns="" xmlns:a16="http://schemas.microsoft.com/office/drawing/2014/main" id="{59066CD2-3D44-4CB4-A2B7-0C1E1EB77575}"/>
               </a:ext>
             </a:extLst>
           </p:cNvPr>
@@ -7696,7 +7696,7 @@
           <p:cNvPr id="2" name="Title 1">
             <a:extLst>
               <a:ext uri="{FF2B5EF4-FFF2-40B4-BE49-F238E27FC236}">
-                <a16:creationId xmlns:a16="http://schemas.microsoft.com/office/drawing/2014/main" xmlns="" id="{0906278B-715F-40E6-96B4-AABCD817E860}"/>
+                <a16:creationId xmlns="" xmlns:a16="http://schemas.microsoft.com/office/drawing/2014/main" id="{0906278B-715F-40E6-96B4-AABCD817E860}"/>
               </a:ext>
             </a:extLst>
           </p:cNvPr>
@@ -7728,7 +7728,7 @@
           <p:cNvPr id="3" name="Content Placeholder 2">
             <a:extLst>
               <a:ext uri="{FF2B5EF4-FFF2-40B4-BE49-F238E27FC236}">
-                <a16:creationId xmlns:a16="http://schemas.microsoft.com/office/drawing/2014/main" xmlns="" id="{B7CCAC59-A944-4E9D-B0E0-DBE20BA2D29F}"/>
+                <a16:creationId xmlns="" xmlns:a16="http://schemas.microsoft.com/office/drawing/2014/main" id="{B7CCAC59-A944-4E9D-B0E0-DBE20BA2D29F}"/>
               </a:ext>
             </a:extLst>
           </p:cNvPr>
@@ -7899,7 +7899,7 @@
           <p:cNvPr id="4" name="Picture 3">
             <a:extLst>
               <a:ext uri="{FF2B5EF4-FFF2-40B4-BE49-F238E27FC236}">
-                <a16:creationId xmlns:a16="http://schemas.microsoft.com/office/drawing/2014/main" xmlns="" id="{E250073F-AFE2-4C19-8CF7-65F45870CA0B}"/>
+                <a16:creationId xmlns="" xmlns:a16="http://schemas.microsoft.com/office/drawing/2014/main" id="{E250073F-AFE2-4C19-8CF7-65F45870CA0B}"/>
               </a:ext>
             </a:extLst>
           </p:cNvPr>
@@ -7959,7 +7959,7 @@
           <p:cNvPr id="2" name="Title 1">
             <a:extLst>
               <a:ext uri="{FF2B5EF4-FFF2-40B4-BE49-F238E27FC236}">
-                <a16:creationId xmlns:a16="http://schemas.microsoft.com/office/drawing/2014/main" xmlns="" id="{820A6B61-52E6-454C-A929-A9403A22E27A}"/>
+                <a16:creationId xmlns="" xmlns:a16="http://schemas.microsoft.com/office/drawing/2014/main" id="{820A6B61-52E6-454C-A929-A9403A22E27A}"/>
               </a:ext>
             </a:extLst>
           </p:cNvPr>
@@ -7991,7 +7991,7 @@
           <p:cNvPr id="3" name="Content Placeholder 2">
             <a:extLst>
               <a:ext uri="{FF2B5EF4-FFF2-40B4-BE49-F238E27FC236}">
-                <a16:creationId xmlns:a16="http://schemas.microsoft.com/office/drawing/2014/main" xmlns="" id="{1E2165CB-48BD-485E-B57E-D228A32AF475}"/>
+                <a16:creationId xmlns="" xmlns:a16="http://schemas.microsoft.com/office/drawing/2014/main" id="{1E2165CB-48BD-485E-B57E-D228A32AF475}"/>
               </a:ext>
             </a:extLst>
           </p:cNvPr>
@@ -8359,7 +8359,7 @@
           <p:cNvPr id="4" name="Picture 3">
             <a:extLst>
               <a:ext uri="{FF2B5EF4-FFF2-40B4-BE49-F238E27FC236}">
-                <a16:creationId xmlns:a16="http://schemas.microsoft.com/office/drawing/2014/main" xmlns="" id="{7BB13B3A-2F66-4E6F-AC90-2AAB39A0037E}"/>
+                <a16:creationId xmlns="" xmlns:a16="http://schemas.microsoft.com/office/drawing/2014/main" id="{7BB13B3A-2F66-4E6F-AC90-2AAB39A0037E}"/>
               </a:ext>
             </a:extLst>
           </p:cNvPr>
@@ -8419,7 +8419,7 @@
           <p:cNvPr id="2" name="Title 1">
             <a:extLst>
               <a:ext uri="{FF2B5EF4-FFF2-40B4-BE49-F238E27FC236}">
-                <a16:creationId xmlns:a16="http://schemas.microsoft.com/office/drawing/2014/main" xmlns="" id="{B95B8F5C-7200-4F20-A589-14B3C3FB5AC4}"/>
+                <a16:creationId xmlns="" xmlns:a16="http://schemas.microsoft.com/office/drawing/2014/main" id="{B95B8F5C-7200-4F20-A589-14B3C3FB5AC4}"/>
               </a:ext>
             </a:extLst>
           </p:cNvPr>
@@ -8456,7 +8456,7 @@
           <p:cNvPr id="3" name="Content Placeholder 2">
             <a:extLst>
               <a:ext uri="{FF2B5EF4-FFF2-40B4-BE49-F238E27FC236}">
-                <a16:creationId xmlns:a16="http://schemas.microsoft.com/office/drawing/2014/main" xmlns="" id="{082257B7-1AE8-4976-876F-0B1CAA8B49DC}"/>
+                <a16:creationId xmlns="" xmlns:a16="http://schemas.microsoft.com/office/drawing/2014/main" id="{082257B7-1AE8-4976-876F-0B1CAA8B49DC}"/>
               </a:ext>
             </a:extLst>
           </p:cNvPr>
@@ -8758,7 +8758,7 @@
           <p:cNvPr id="4" name="Picture 3">
             <a:extLst>
               <a:ext uri="{FF2B5EF4-FFF2-40B4-BE49-F238E27FC236}">
-                <a16:creationId xmlns:a16="http://schemas.microsoft.com/office/drawing/2014/main" xmlns="" id="{65649332-2CF5-4990-84E5-850CA6F0C4A8}"/>
+                <a16:creationId xmlns="" xmlns:a16="http://schemas.microsoft.com/office/drawing/2014/main" id="{65649332-2CF5-4990-84E5-850CA6F0C4A8}"/>
               </a:ext>
             </a:extLst>
           </p:cNvPr>
@@ -8818,7 +8818,7 @@
           <p:cNvPr id="2" name="Title 1">
             <a:extLst>
               <a:ext uri="{FF2B5EF4-FFF2-40B4-BE49-F238E27FC236}">
-                <a16:creationId xmlns:a16="http://schemas.microsoft.com/office/drawing/2014/main" xmlns="" id="{DA88EBD1-1F49-4BA6-B6E8-619E2D06CBBD}"/>
+                <a16:creationId xmlns="" xmlns:a16="http://schemas.microsoft.com/office/drawing/2014/main" id="{DA88EBD1-1F49-4BA6-B6E8-619E2D06CBBD}"/>
               </a:ext>
             </a:extLst>
           </p:cNvPr>
@@ -8846,7 +8846,7 @@
           <p:cNvPr id="3" name="Content Placeholder 2">
             <a:extLst>
               <a:ext uri="{FF2B5EF4-FFF2-40B4-BE49-F238E27FC236}">
-                <a16:creationId xmlns:a16="http://schemas.microsoft.com/office/drawing/2014/main" xmlns="" id="{A27A643B-FC17-49CF-B974-056B4326786E}"/>
+                <a16:creationId xmlns="" xmlns:a16="http://schemas.microsoft.com/office/drawing/2014/main" id="{A27A643B-FC17-49CF-B974-056B4326786E}"/>
               </a:ext>
             </a:extLst>
           </p:cNvPr>
@@ -9068,7 +9068,7 @@
           <p:cNvPr id="4" name="Picture 3">
             <a:extLst>
               <a:ext uri="{FF2B5EF4-FFF2-40B4-BE49-F238E27FC236}">
-                <a16:creationId xmlns:a16="http://schemas.microsoft.com/office/drawing/2014/main" xmlns="" id="{3FC13C5E-CA78-4231-9769-FD294CA18F72}"/>
+                <a16:creationId xmlns="" xmlns:a16="http://schemas.microsoft.com/office/drawing/2014/main" id="{3FC13C5E-CA78-4231-9769-FD294CA18F72}"/>
               </a:ext>
             </a:extLst>
           </p:cNvPr>
@@ -9128,7 +9128,7 @@
           <p:cNvPr id="2" name="Title 1">
             <a:extLst>
               <a:ext uri="{FF2B5EF4-FFF2-40B4-BE49-F238E27FC236}">
-                <a16:creationId xmlns:a16="http://schemas.microsoft.com/office/drawing/2014/main" xmlns="" id="{9E3A28AF-8616-4DA9-BA67-3EE28B366907}"/>
+                <a16:creationId xmlns="" xmlns:a16="http://schemas.microsoft.com/office/drawing/2014/main" id="{9E3A28AF-8616-4DA9-BA67-3EE28B366907}"/>
               </a:ext>
             </a:extLst>
           </p:cNvPr>
@@ -9156,7 +9156,7 @@
           <p:cNvPr id="3" name="Content Placeholder 2">
             <a:extLst>
               <a:ext uri="{FF2B5EF4-FFF2-40B4-BE49-F238E27FC236}">
-                <a16:creationId xmlns:a16="http://schemas.microsoft.com/office/drawing/2014/main" xmlns="" id="{5497F37E-F7D4-4510-878B-B9620381D1C4}"/>
+                <a16:creationId xmlns="" xmlns:a16="http://schemas.microsoft.com/office/drawing/2014/main" id="{5497F37E-F7D4-4510-878B-B9620381D1C4}"/>
               </a:ext>
             </a:extLst>
           </p:cNvPr>
@@ -9567,7 +9567,7 @@
           <p:cNvPr id="2" name="Title 1">
             <a:extLst>
               <a:ext uri="{FF2B5EF4-FFF2-40B4-BE49-F238E27FC236}">
-                <a16:creationId xmlns:a16="http://schemas.microsoft.com/office/drawing/2014/main" xmlns="" id="{E032B052-9AB9-479B-B9CC-8BDFDF47E40C}"/>
+                <a16:creationId xmlns="" xmlns:a16="http://schemas.microsoft.com/office/drawing/2014/main" id="{E032B052-9AB9-479B-B9CC-8BDFDF47E40C}"/>
               </a:ext>
             </a:extLst>
           </p:cNvPr>
@@ -9604,7 +9604,7 @@
           <p:cNvPr id="5" name="Content Placeholder 4">
             <a:extLst>
               <a:ext uri="{FF2B5EF4-FFF2-40B4-BE49-F238E27FC236}">
-                <a16:creationId xmlns:a16="http://schemas.microsoft.com/office/drawing/2014/main" xmlns="" id="{4A9C24B5-D444-4B53-A672-0741C9EEEA28}"/>
+                <a16:creationId xmlns="" xmlns:a16="http://schemas.microsoft.com/office/drawing/2014/main" id="{4A9C24B5-D444-4B53-A672-0741C9EEEA28}"/>
               </a:ext>
             </a:extLst>
           </p:cNvPr>
@@ -9636,7 +9636,7 @@
           <p:cNvPr id="6" name="Content Placeholder 5">
             <a:extLst>
               <a:ext uri="{FF2B5EF4-FFF2-40B4-BE49-F238E27FC236}">
-                <a16:creationId xmlns:a16="http://schemas.microsoft.com/office/drawing/2014/main" xmlns="" id="{0CFEC6E1-C846-4CE0-9B18-CAD7F70A983B}"/>
+                <a16:creationId xmlns="" xmlns:a16="http://schemas.microsoft.com/office/drawing/2014/main" id="{0CFEC6E1-C846-4CE0-9B18-CAD7F70A983B}"/>
               </a:ext>
             </a:extLst>
           </p:cNvPr>
@@ -9827,7 +9827,7 @@
           <p:cNvPr id="2" name="Title 1">
             <a:extLst>
               <a:ext uri="{FF2B5EF4-FFF2-40B4-BE49-F238E27FC236}">
-                <a16:creationId xmlns:a16="http://schemas.microsoft.com/office/drawing/2014/main" xmlns="" id="{50885E28-54E8-491F-B17E-A52F3B7F1523}"/>
+                <a16:creationId xmlns="" xmlns:a16="http://schemas.microsoft.com/office/drawing/2014/main" id="{50885E28-54E8-491F-B17E-A52F3B7F1523}"/>
               </a:ext>
             </a:extLst>
           </p:cNvPr>
@@ -9855,7 +9855,7 @@
           <p:cNvPr id="3" name="Content Placeholder 2">
             <a:extLst>
               <a:ext uri="{FF2B5EF4-FFF2-40B4-BE49-F238E27FC236}">
-                <a16:creationId xmlns:a16="http://schemas.microsoft.com/office/drawing/2014/main" xmlns="" id="{537CB976-9A37-48BA-B3B7-47CDB98CC564}"/>
+                <a16:creationId xmlns="" xmlns:a16="http://schemas.microsoft.com/office/drawing/2014/main" id="{537CB976-9A37-48BA-B3B7-47CDB98CC564}"/>
               </a:ext>
             </a:extLst>
           </p:cNvPr>
@@ -9911,7 +9911,6 @@
               <a:rPr lang="en-US" dirty="0"/>
               <a:t>https://seaborn.pydata.org/installing.html</a:t>
             </a:r>
-            <a:endParaRPr lang="en-US" dirty="0"/>
           </a:p>
           <a:p>
             <a:r>
@@ -9921,6 +9920,10 @@
             <a:r>
               <a:rPr lang="en-US" dirty="0" smtClean="0"/>
               <a:t>www.youtube.com/watch?v=dRWleqAdyW0</a:t>
+            </a:r>
+            <a:r>
+              <a:rPr lang="id-ID" smtClean="0"/>
+              <a:t>1</a:t>
             </a:r>
             <a:endParaRPr lang="en-US" dirty="0"/>
           </a:p>
@@ -9964,7 +9967,7 @@
           <p:cNvPr id="2" name="Title 1">
             <a:extLst>
               <a:ext uri="{FF2B5EF4-FFF2-40B4-BE49-F238E27FC236}">
-                <a16:creationId xmlns:a16="http://schemas.microsoft.com/office/drawing/2014/main" xmlns="" id="{3A8F8451-4288-45F8-B193-661A95F84E1A}"/>
+                <a16:creationId xmlns="" xmlns:a16="http://schemas.microsoft.com/office/drawing/2014/main" id="{3A8F8451-4288-45F8-B193-661A95F84E1A}"/>
               </a:ext>
             </a:extLst>
           </p:cNvPr>
@@ -9996,7 +9999,7 @@
           <p:cNvPr id="4" name="Content Placeholder 3">
             <a:extLst>
               <a:ext uri="{FF2B5EF4-FFF2-40B4-BE49-F238E27FC236}">
-                <a16:creationId xmlns:a16="http://schemas.microsoft.com/office/drawing/2014/main" xmlns="" id="{285C7218-A6C3-4EF4-ACE8-2B45A555107D}"/>
+                <a16:creationId xmlns="" xmlns:a16="http://schemas.microsoft.com/office/drawing/2014/main" id="{285C7218-A6C3-4EF4-ACE8-2B45A555107D}"/>
               </a:ext>
             </a:extLst>
           </p:cNvPr>
@@ -10028,7 +10031,7 @@
           <p:cNvPr id="5" name="Picture 4">
             <a:extLst>
               <a:ext uri="{FF2B5EF4-FFF2-40B4-BE49-F238E27FC236}">
-                <a16:creationId xmlns:a16="http://schemas.microsoft.com/office/drawing/2014/main" xmlns="" id="{2BBDA339-C238-4706-BF18-C0CE7E59D725}"/>
+                <a16:creationId xmlns="" xmlns:a16="http://schemas.microsoft.com/office/drawing/2014/main" id="{2BBDA339-C238-4706-BF18-C0CE7E59D725}"/>
               </a:ext>
             </a:extLst>
           </p:cNvPr>
@@ -10058,7 +10061,7 @@
           <p:cNvPr id="6" name="Picture 5">
             <a:extLst>
               <a:ext uri="{FF2B5EF4-FFF2-40B4-BE49-F238E27FC236}">
-                <a16:creationId xmlns:a16="http://schemas.microsoft.com/office/drawing/2014/main" xmlns="" id="{97AEEABC-83DE-42BE-BAA9-F199E22AB3EE}"/>
+                <a16:creationId xmlns="" xmlns:a16="http://schemas.microsoft.com/office/drawing/2014/main" id="{97AEEABC-83DE-42BE-BAA9-F199E22AB3EE}"/>
               </a:ext>
             </a:extLst>
           </p:cNvPr>
@@ -10088,7 +10091,7 @@
           <p:cNvPr id="7" name="Arrow: Right 6">
             <a:extLst>
               <a:ext uri="{FF2B5EF4-FFF2-40B4-BE49-F238E27FC236}">
-                <a16:creationId xmlns:a16="http://schemas.microsoft.com/office/drawing/2014/main" xmlns="" id="{B6E387C2-4D4E-438D-9422-C9A9ADFEEF98}"/>
+                <a16:creationId xmlns="" xmlns:a16="http://schemas.microsoft.com/office/drawing/2014/main" id="{B6E387C2-4D4E-438D-9422-C9A9ADFEEF98}"/>
               </a:ext>
             </a:extLst>
           </p:cNvPr>
@@ -10134,7 +10137,7 @@
           <p:cNvPr id="8" name="Arrow: Right 7">
             <a:extLst>
               <a:ext uri="{FF2B5EF4-FFF2-40B4-BE49-F238E27FC236}">
-                <a16:creationId xmlns:a16="http://schemas.microsoft.com/office/drawing/2014/main" xmlns="" id="{CD1BA66C-3167-440E-BBEE-99BEDCB22C76}"/>
+                <a16:creationId xmlns="" xmlns:a16="http://schemas.microsoft.com/office/drawing/2014/main" id="{CD1BA66C-3167-440E-BBEE-99BEDCB22C76}"/>
               </a:ext>
             </a:extLst>
           </p:cNvPr>
@@ -10210,7 +10213,7 @@
           <p:cNvPr id="2" name="Title 1">
             <a:extLst>
               <a:ext uri="{FF2B5EF4-FFF2-40B4-BE49-F238E27FC236}">
-                <a16:creationId xmlns:a16="http://schemas.microsoft.com/office/drawing/2014/main" xmlns="" id="{DF8EAD61-6B60-473A-8B38-96661AABEE3F}"/>
+                <a16:creationId xmlns="" xmlns:a16="http://schemas.microsoft.com/office/drawing/2014/main" id="{DF8EAD61-6B60-473A-8B38-96661AABEE3F}"/>
               </a:ext>
             </a:extLst>
           </p:cNvPr>
@@ -10239,7 +10242,7 @@
           <p:cNvPr id="5" name="Content Placeholder 4">
             <a:extLst>
               <a:ext uri="{FF2B5EF4-FFF2-40B4-BE49-F238E27FC236}">
-                <a16:creationId xmlns:a16="http://schemas.microsoft.com/office/drawing/2014/main" xmlns="" id="{97F29B70-DFCB-4B02-A4E5-782BFAA51A07}"/>
+                <a16:creationId xmlns="" xmlns:a16="http://schemas.microsoft.com/office/drawing/2014/main" id="{97F29B70-DFCB-4B02-A4E5-782BFAA51A07}"/>
               </a:ext>
             </a:extLst>
           </p:cNvPr>
@@ -10271,7 +10274,7 @@
           <p:cNvPr id="6" name="Content Placeholder 5">
             <a:extLst>
               <a:ext uri="{FF2B5EF4-FFF2-40B4-BE49-F238E27FC236}">
-                <a16:creationId xmlns:a16="http://schemas.microsoft.com/office/drawing/2014/main" xmlns="" id="{4822F0E7-21FB-402F-8482-522707761E2A}"/>
+                <a16:creationId xmlns="" xmlns:a16="http://schemas.microsoft.com/office/drawing/2014/main" id="{4822F0E7-21FB-402F-8482-522707761E2A}"/>
               </a:ext>
             </a:extLst>
           </p:cNvPr>
@@ -10743,7 +10746,7 @@
           <p:cNvPr id="2" name="Title 1">
             <a:extLst>
               <a:ext uri="{FF2B5EF4-FFF2-40B4-BE49-F238E27FC236}">
-                <a16:creationId xmlns:a16="http://schemas.microsoft.com/office/drawing/2014/main" xmlns="" id="{5A711E72-9DB2-49FD-85FD-2DF96E428427}"/>
+                <a16:creationId xmlns="" xmlns:a16="http://schemas.microsoft.com/office/drawing/2014/main" id="{5A711E72-9DB2-49FD-85FD-2DF96E428427}"/>
               </a:ext>
             </a:extLst>
           </p:cNvPr>
@@ -10776,7 +10779,7 @@
           <p:cNvPr id="15" name="Picture 14">
             <a:extLst>
               <a:ext uri="{FF2B5EF4-FFF2-40B4-BE49-F238E27FC236}">
-                <a16:creationId xmlns:a16="http://schemas.microsoft.com/office/drawing/2014/main" xmlns="" id="{A28356B7-51E2-4715-A124-6DB5FE170C49}"/>
+                <a16:creationId xmlns="" xmlns:a16="http://schemas.microsoft.com/office/drawing/2014/main" id="{A28356B7-51E2-4715-A124-6DB5FE170C49}"/>
               </a:ext>
             </a:extLst>
           </p:cNvPr>
@@ -11134,7 +11137,7 @@
           <p:cNvPr id="2" name="Title 1">
             <a:extLst>
               <a:ext uri="{FF2B5EF4-FFF2-40B4-BE49-F238E27FC236}">
-                <a16:creationId xmlns:a16="http://schemas.microsoft.com/office/drawing/2014/main" xmlns="" id="{BE2948F8-1ECB-4FD8-B2C9-8B8FF33D8DD1}"/>
+                <a16:creationId xmlns="" xmlns:a16="http://schemas.microsoft.com/office/drawing/2014/main" id="{BE2948F8-1ECB-4FD8-B2C9-8B8FF33D8DD1}"/>
               </a:ext>
             </a:extLst>
           </p:cNvPr>
@@ -11166,7 +11169,7 @@
           <p:cNvPr id="4" name="Content Placeholder 3">
             <a:extLst>
               <a:ext uri="{FF2B5EF4-FFF2-40B4-BE49-F238E27FC236}">
-                <a16:creationId xmlns:a16="http://schemas.microsoft.com/office/drawing/2014/main" xmlns="" id="{BFC5BDE9-00B6-4E6D-905D-FE57DF585974}"/>
+                <a16:creationId xmlns="" xmlns:a16="http://schemas.microsoft.com/office/drawing/2014/main" id="{BFC5BDE9-00B6-4E6D-905D-FE57DF585974}"/>
               </a:ext>
             </a:extLst>
           </p:cNvPr>
@@ -11198,7 +11201,7 @@
           <p:cNvPr id="5" name="Picture 4">
             <a:extLst>
               <a:ext uri="{FF2B5EF4-FFF2-40B4-BE49-F238E27FC236}">
-                <a16:creationId xmlns:a16="http://schemas.microsoft.com/office/drawing/2014/main" xmlns="" id="{5FA3D9D4-6D55-466D-AF35-3FD2AB89A236}"/>
+                <a16:creationId xmlns="" xmlns:a16="http://schemas.microsoft.com/office/drawing/2014/main" id="{5FA3D9D4-6D55-466D-AF35-3FD2AB89A236}"/>
               </a:ext>
             </a:extLst>
           </p:cNvPr>
@@ -11228,7 +11231,7 @@
           <p:cNvPr id="6" name="Picture 5">
             <a:extLst>
               <a:ext uri="{FF2B5EF4-FFF2-40B4-BE49-F238E27FC236}">
-                <a16:creationId xmlns:a16="http://schemas.microsoft.com/office/drawing/2014/main" xmlns="" id="{FE3ECCDC-723C-44E6-AFDD-3EDA3B60FDFE}"/>
+                <a16:creationId xmlns="" xmlns:a16="http://schemas.microsoft.com/office/drawing/2014/main" id="{FE3ECCDC-723C-44E6-AFDD-3EDA3B60FDFE}"/>
               </a:ext>
             </a:extLst>
           </p:cNvPr>
@@ -11528,7 +11531,7 @@
   <a:extraClrSchemeLst/>
   <a:extLst>
     <a:ext uri="{05A4C25C-085E-4340-85A3-A5531E510DB2}">
-      <thm15:themeFamily xmlns:thm15="http://schemas.microsoft.com/office/thememl/2012/main" xmlns="" name="Integral" id="{3577F8C9-A904-41D8-97D2-FD898F53F20E}" vid="{29F68FFC-748B-4FC3-BF39-7F84A6D5840F}"/>
+      <thm15:themeFamily xmlns="" xmlns:thm15="http://schemas.microsoft.com/office/thememl/2012/main" name="Integral" id="{3577F8C9-A904-41D8-97D2-FD898F53F20E}" vid="{29F68FFC-748B-4FC3-BF39-7F84A6D5840F}"/>
     </a:ext>
   </a:extLst>
 </a:theme>
